--- a/logo.pptx
+++ b/logo.pptx
@@ -6,8 +6,7 @@
   </p:sldMasterIdLst>
   <p:sldIdLst>
     <p:sldId id="256" r:id="rId2"/>
-    <p:sldId id="258" r:id="rId3"/>
-    <p:sldId id="257" r:id="rId4"/>
+    <p:sldId id="257" r:id="rId3"/>
   </p:sldIdLst>
   <p:sldSz cx="12192000" cy="6858000"/>
   <p:notesSz cx="6858000" cy="9144000"/>
@@ -3585,236 +3584,6 @@
         </p:nvSpPr>
         <p:spPr>
           <a:xfrm>
-            <a:off x="4679446" y="3579556"/>
-            <a:ext cx="5687776" cy="1323439"/>
-          </a:xfrm>
-          <a:prstGeom prst="rect">
-            <a:avLst/>
-          </a:prstGeom>
-          <a:noFill/>
-          <a:effectLst>
-            <a:outerShdw blurRad="50800" dist="38100" dir="16200000" rotWithShape="0">
-              <a:prstClr val="black">
-                <a:alpha val="40000"/>
-              </a:prstClr>
-            </a:outerShdw>
-          </a:effectLst>
-        </p:spPr>
-        <p:txBody>
-          <a:bodyPr wrap="none" rtlCol="0">
-            <a:spAutoFit/>
-          </a:bodyPr>
-          <a:lstStyle/>
-          <a:p>
-            <a:r>
-              <a:rPr lang="en-US" sz="8000" dirty="0">
-                <a:solidFill>
-                  <a:srgbClr val="0F4C7D"/>
-                </a:solidFill>
-                <a:latin typeface="Stencil" pitchFamily="82" charset="77"/>
-                <a:ea typeface="Brush Script MT" panose="03060802040406070304" pitchFamily="66" charset="-122"/>
-                <a:cs typeface="Brush Script MT" panose="03060802040406070304" pitchFamily="66" charset="-122"/>
-              </a:rPr>
-              <a:t>INSPECTOR</a:t>
-            </a:r>
-          </a:p>
-        </p:txBody>
-      </p:sp>
-      <p:grpSp>
-        <p:nvGrpSpPr>
-          <p:cNvPr id="14" name="Group 13">
-            <a:extLst>
-              <a:ext uri="{FF2B5EF4-FFF2-40B4-BE49-F238E27FC236}">
-                <a16:creationId xmlns:a16="http://schemas.microsoft.com/office/drawing/2014/main" id="{149CD092-C9CD-AB4C-9BB7-CA021D5D8900}"/>
-              </a:ext>
-            </a:extLst>
-          </p:cNvPr>
-          <p:cNvGrpSpPr/>
-          <p:nvPr/>
-        </p:nvGrpSpPr>
-        <p:grpSpPr>
-          <a:xfrm>
-            <a:off x="3585700" y="1421675"/>
-            <a:ext cx="4400294" cy="2674126"/>
-            <a:chOff x="3367489" y="1567149"/>
-            <a:chExt cx="4400294" cy="2674126"/>
-          </a:xfrm>
-        </p:grpSpPr>
-        <p:pic>
-          <p:nvPicPr>
-            <p:cNvPr id="5" name="Picture 4" descr="A picture containing background pattern&#10;&#10;Description automatically generated">
-              <a:extLst>
-                <a:ext uri="{FF2B5EF4-FFF2-40B4-BE49-F238E27FC236}">
-                  <a16:creationId xmlns:a16="http://schemas.microsoft.com/office/drawing/2014/main" id="{CF595122-51CF-FA4C-96B9-84D7CB9284C4}"/>
-                </a:ext>
-              </a:extLst>
-            </p:cNvPr>
-            <p:cNvPicPr>
-              <a:picLocks noChangeAspect="1"/>
-            </p:cNvPicPr>
-            <p:nvPr/>
-          </p:nvPicPr>
-          <p:blipFill rotWithShape="1">
-            <a:blip r:embed="rId2"/>
-            <a:srcRect l="19673" r="19249" b="30248"/>
-            <a:stretch/>
-          </p:blipFill>
-          <p:spPr>
-            <a:xfrm>
-              <a:off x="3367489" y="1567149"/>
-              <a:ext cx="3337278" cy="2674126"/>
-            </a:xfrm>
-            <a:prstGeom prst="rect">
-              <a:avLst/>
-            </a:prstGeom>
-          </p:spPr>
-        </p:pic>
-        <p:grpSp>
-          <p:nvGrpSpPr>
-            <p:cNvPr id="13" name="Group 12">
-              <a:extLst>
-                <a:ext uri="{FF2B5EF4-FFF2-40B4-BE49-F238E27FC236}">
-                  <a16:creationId xmlns:a16="http://schemas.microsoft.com/office/drawing/2014/main" id="{F7DF85D6-ED8A-C441-A9EA-A2CF9E09DDFD}"/>
-                </a:ext>
-              </a:extLst>
-            </p:cNvPr>
-            <p:cNvGrpSpPr/>
-            <p:nvPr/>
-          </p:nvGrpSpPr>
-          <p:grpSpPr>
-            <a:xfrm>
-              <a:off x="5343237" y="1567149"/>
-              <a:ext cx="2424546" cy="2424546"/>
-              <a:chOff x="7525327" y="595504"/>
-              <a:chExt cx="2424546" cy="2424546"/>
-            </a:xfrm>
-          </p:grpSpPr>
-          <p:pic>
-            <p:nvPicPr>
-              <p:cNvPr id="7" name="Picture 6" descr="A picture containing background pattern&#10;&#10;Description automatically generated">
-                <a:extLst>
-                  <a:ext uri="{FF2B5EF4-FFF2-40B4-BE49-F238E27FC236}">
-                    <a16:creationId xmlns:a16="http://schemas.microsoft.com/office/drawing/2014/main" id="{6342609F-3D3E-5C4B-94A6-E88BEF947329}"/>
-                  </a:ext>
-                </a:extLst>
-              </p:cNvPr>
-              <p:cNvPicPr>
-                <a:picLocks noChangeAspect="1"/>
-              </p:cNvPicPr>
-              <p:nvPr/>
-            </p:nvPicPr>
-            <p:blipFill rotWithShape="1">
-              <a:blip r:embed="rId2"/>
-              <a:srcRect l="60186" t="9924" r="24412" b="69193"/>
-              <a:stretch/>
-            </p:blipFill>
-            <p:spPr>
-              <a:xfrm>
-                <a:off x="7865212" y="966667"/>
-                <a:ext cx="1248951" cy="1226449"/>
-              </a:xfrm>
-              <a:prstGeom prst="ellipse">
-                <a:avLst/>
-              </a:prstGeom>
-              <a:solidFill>
-                <a:schemeClr val="bg1"/>
-              </a:solidFill>
-              <a:ln w="47625">
-                <a:solidFill>
-                  <a:schemeClr val="tx1"/>
-                </a:solidFill>
-              </a:ln>
-              <a:scene3d>
-                <a:camera prst="orthographicFront"/>
-                <a:lightRig rig="threePt" dir="t"/>
-              </a:scene3d>
-              <a:sp3d>
-                <a:bevelT w="107950" h="171450"/>
-              </a:sp3d>
-            </p:spPr>
-          </p:pic>
-          <p:pic>
-            <p:nvPicPr>
-              <p:cNvPr id="12" name="Graphic 11" descr="Magnifying glass with solid fill">
-                <a:extLst>
-                  <a:ext uri="{FF2B5EF4-FFF2-40B4-BE49-F238E27FC236}">
-                    <a16:creationId xmlns:a16="http://schemas.microsoft.com/office/drawing/2014/main" id="{D0B8310B-B8CA-DA46-A31F-7D65D8B8068D}"/>
-                  </a:ext>
-                </a:extLst>
-              </p:cNvPr>
-              <p:cNvPicPr>
-                <a:picLocks noChangeAspect="1"/>
-              </p:cNvPicPr>
-              <p:nvPr/>
-            </p:nvPicPr>
-            <p:blipFill>
-              <a:blip r:embed="rId3">
-                <a:extLst>
-                  <a:ext uri="{96DAC541-7B7A-43D3-8B79-37D633B846F1}">
-                    <asvg:svgBlip xmlns:asvg="http://schemas.microsoft.com/office/drawing/2016/SVG/main" r:embed="rId4"/>
-                  </a:ext>
-                </a:extLst>
-              </a:blip>
-              <a:stretch>
-                <a:fillRect/>
-              </a:stretch>
-            </p:blipFill>
-            <p:spPr>
-              <a:xfrm>
-                <a:off x="7525327" y="595504"/>
-                <a:ext cx="2424546" cy="2424546"/>
-              </a:xfrm>
-              <a:prstGeom prst="rect">
-                <a:avLst/>
-              </a:prstGeom>
-            </p:spPr>
-          </p:pic>
-        </p:grpSp>
-      </p:grpSp>
-    </p:spTree>
-    <p:extLst>
-      <p:ext uri="{BB962C8B-B14F-4D97-AF65-F5344CB8AC3E}">
-        <p14:creationId xmlns:p14="http://schemas.microsoft.com/office/powerpoint/2010/main" val="2566770285"/>
-      </p:ext>
-    </p:extLst>
-  </p:cSld>
-  <p:clrMapOvr>
-    <a:masterClrMapping/>
-  </p:clrMapOvr>
-</p:sld>
-</file>
-
-<file path=ppt/slides/slide3.xml><?xml version="1.0" encoding="utf-8"?>
-<p:sld xmlns:a="http://schemas.openxmlformats.org/drawingml/2006/main" xmlns:r="http://schemas.openxmlformats.org/officeDocument/2006/relationships" xmlns:p="http://schemas.openxmlformats.org/presentationml/2006/main">
-  <p:cSld>
-    <p:spTree>
-      <p:nvGrpSpPr>
-        <p:cNvPr id="1" name=""/>
-        <p:cNvGrpSpPr/>
-        <p:nvPr/>
-      </p:nvGrpSpPr>
-      <p:grpSpPr>
-        <a:xfrm>
-          <a:off x="0" y="0"/>
-          <a:ext cx="0" cy="0"/>
-          <a:chOff x="0" y="0"/>
-          <a:chExt cx="0" cy="0"/>
-        </a:xfrm>
-      </p:grpSpPr>
-      <p:sp>
-        <p:nvSpPr>
-          <p:cNvPr id="6" name="TextBox 5">
-            <a:extLst>
-              <a:ext uri="{FF2B5EF4-FFF2-40B4-BE49-F238E27FC236}">
-                <a16:creationId xmlns:a16="http://schemas.microsoft.com/office/drawing/2014/main" id="{AEFA4635-D810-2A48-A9CB-838C6D3BCB78}"/>
-              </a:ext>
-            </a:extLst>
-          </p:cNvPr>
-          <p:cNvSpPr txBox="1"/>
-          <p:nvPr/>
-        </p:nvSpPr>
-        <p:spPr>
-          <a:xfrm>
             <a:off x="4627492" y="3648391"/>
             <a:ext cx="5136342" cy="1200329"/>
           </a:xfrm>
@@ -3822,13 +3591,7 @@
             <a:avLst/>
           </a:prstGeom>
           <a:noFill/>
-          <a:effectLst>
-            <a:outerShdw blurRad="50800" dist="38100" dir="16200000" rotWithShape="0">
-              <a:prstClr val="black">
-                <a:alpha val="40000"/>
-              </a:prstClr>
-            </a:outerShdw>
-          </a:effectLst>
+          <a:effectLst/>
         </p:spPr>
         <p:txBody>
           <a:bodyPr wrap="none" rtlCol="0">
